--- a/Project 3 - Measuring Stellar Abundances.pptx
+++ b/Project 3 - Measuring Stellar Abundances.pptx
@@ -808,7 +808,7 @@
   <p:cSld>
     <p:spTree>
       <p:nvGrpSpPr>
-        <p:cNvPr id="184" name="Shape 184"/>
+        <p:cNvPr id="190" name="Shape 190"/>
         <p:cNvGrpSpPr/>
         <p:nvPr/>
       </p:nvGrpSpPr>
@@ -822,7 +822,7 @@
       </p:grpSpPr>
       <p:sp>
         <p:nvSpPr>
-          <p:cNvPr id="185" name="Google Shape;185;g3432244cd8c_0_134:notes"/>
+          <p:cNvPr id="191" name="Google Shape;191;g3432244cd8c_0_134:notes"/>
           <p:cNvSpPr/>
           <p:nvPr>
             <p:ph idx="2" type="sldImg"/>
@@ -857,7 +857,7 @@
       </p:sp>
       <p:sp>
         <p:nvSpPr>
-          <p:cNvPr id="186" name="Google Shape;186;g3432244cd8c_0_134:notes"/>
+          <p:cNvPr id="192" name="Google Shape;192;g3432244cd8c_0_134:notes"/>
           <p:cNvSpPr txBox="1"/>
           <p:nvPr>
             <p:ph idx="1" type="body"/>
@@ -1105,7 +1105,7 @@
   <p:cSld>
     <p:spTree>
       <p:nvGrpSpPr>
-        <p:cNvPr id="142" name="Shape 142"/>
+        <p:cNvPr id="143" name="Shape 143"/>
         <p:cNvGrpSpPr/>
         <p:nvPr/>
       </p:nvGrpSpPr>
@@ -1119,7 +1119,7 @@
       </p:grpSpPr>
       <p:sp>
         <p:nvSpPr>
-          <p:cNvPr id="143" name="Google Shape;143;g3432244cd8c_0_147:notes"/>
+          <p:cNvPr id="144" name="Google Shape;144;g3432244cd8c_0_147:notes"/>
           <p:cNvSpPr/>
           <p:nvPr>
             <p:ph idx="2" type="sldImg"/>
@@ -1154,7 +1154,7 @@
       </p:sp>
       <p:sp>
         <p:nvSpPr>
-          <p:cNvPr id="144" name="Google Shape;144;g3432244cd8c_0_147:notes"/>
+          <p:cNvPr id="145" name="Google Shape;145;g3432244cd8c_0_147:notes"/>
           <p:cNvSpPr txBox="1"/>
           <p:nvPr>
             <p:ph idx="1" type="body"/>
@@ -1204,7 +1204,7 @@
   <p:cSld>
     <p:spTree>
       <p:nvGrpSpPr>
-        <p:cNvPr id="148" name="Shape 148"/>
+        <p:cNvPr id="150" name="Shape 150"/>
         <p:cNvGrpSpPr/>
         <p:nvPr/>
       </p:nvGrpSpPr>
@@ -1218,7 +1218,7 @@
       </p:grpSpPr>
       <p:sp>
         <p:nvSpPr>
-          <p:cNvPr id="149" name="Google Shape;149;g3432244cd8c_0_154:notes"/>
+          <p:cNvPr id="151" name="Google Shape;151;g3432244cd8c_0_154:notes"/>
           <p:cNvSpPr/>
           <p:nvPr>
             <p:ph idx="2" type="sldImg"/>
@@ -1253,7 +1253,7 @@
       </p:sp>
       <p:sp>
         <p:nvSpPr>
-          <p:cNvPr id="150" name="Google Shape;150;g3432244cd8c_0_154:notes"/>
+          <p:cNvPr id="152" name="Google Shape;152;g3432244cd8c_0_154:notes"/>
           <p:cNvSpPr txBox="1"/>
           <p:nvPr>
             <p:ph idx="1" type="body"/>
@@ -1303,7 +1303,7 @@
   <p:cSld>
     <p:spTree>
       <p:nvGrpSpPr>
-        <p:cNvPr id="158" name="Shape 158"/>
+        <p:cNvPr id="163" name="Shape 163"/>
         <p:cNvGrpSpPr/>
         <p:nvPr/>
       </p:nvGrpSpPr>
@@ -1317,7 +1317,7 @@
       </p:grpSpPr>
       <p:sp>
         <p:nvSpPr>
-          <p:cNvPr id="159" name="Google Shape;159;g3432244cd8c_0_167:notes"/>
+          <p:cNvPr id="164" name="Google Shape;164;g3432244cd8c_0_167:notes"/>
           <p:cNvSpPr/>
           <p:nvPr>
             <p:ph idx="2" type="sldImg"/>
@@ -1352,7 +1352,7 @@
       </p:sp>
       <p:sp>
         <p:nvSpPr>
-          <p:cNvPr id="160" name="Google Shape;160;g3432244cd8c_0_167:notes"/>
+          <p:cNvPr id="165" name="Google Shape;165;g3432244cd8c_0_167:notes"/>
           <p:cNvSpPr txBox="1"/>
           <p:nvPr>
             <p:ph idx="1" type="body"/>
@@ -1402,7 +1402,7 @@
   <p:cSld>
     <p:spTree>
       <p:nvGrpSpPr>
-        <p:cNvPr id="163" name="Shape 163"/>
+        <p:cNvPr id="169" name="Shape 169"/>
         <p:cNvGrpSpPr/>
         <p:nvPr/>
       </p:nvGrpSpPr>
@@ -1416,7 +1416,7 @@
       </p:grpSpPr>
       <p:sp>
         <p:nvSpPr>
-          <p:cNvPr id="164" name="Google Shape;164;g343bd679a51_0_0:notes"/>
+          <p:cNvPr id="170" name="Google Shape;170;g343bd679a51_0_0:notes"/>
           <p:cNvSpPr/>
           <p:nvPr>
             <p:ph idx="2" type="sldImg"/>
@@ -1451,7 +1451,7 @@
       </p:sp>
       <p:sp>
         <p:nvSpPr>
-          <p:cNvPr id="165" name="Google Shape;165;g343bd679a51_0_0:notes"/>
+          <p:cNvPr id="171" name="Google Shape;171;g343bd679a51_0_0:notes"/>
           <p:cNvSpPr txBox="1"/>
           <p:nvPr>
             <p:ph idx="1" type="body"/>
@@ -1501,7 +1501,7 @@
   <p:cSld>
     <p:spTree>
       <p:nvGrpSpPr>
-        <p:cNvPr id="169" name="Shape 169"/>
+        <p:cNvPr id="175" name="Shape 175"/>
         <p:cNvGrpSpPr/>
         <p:nvPr/>
       </p:nvGrpSpPr>
@@ -1515,7 +1515,7 @@
       </p:grpSpPr>
       <p:sp>
         <p:nvSpPr>
-          <p:cNvPr id="170" name="Google Shape;170;g343bd679a51_0_7:notes"/>
+          <p:cNvPr id="176" name="Google Shape;176;g343bd679a51_0_7:notes"/>
           <p:cNvSpPr/>
           <p:nvPr>
             <p:ph idx="2" type="sldImg"/>
@@ -1550,7 +1550,7 @@
       </p:sp>
       <p:sp>
         <p:nvSpPr>
-          <p:cNvPr id="171" name="Google Shape;171;g343bd679a51_0_7:notes"/>
+          <p:cNvPr id="177" name="Google Shape;177;g343bd679a51_0_7:notes"/>
           <p:cNvSpPr txBox="1"/>
           <p:nvPr>
             <p:ph idx="1" type="body"/>
@@ -1600,7 +1600,7 @@
   <p:cSld>
     <p:spTree>
       <p:nvGrpSpPr>
-        <p:cNvPr id="177" name="Shape 177"/>
+        <p:cNvPr id="183" name="Shape 183"/>
         <p:cNvGrpSpPr/>
         <p:nvPr/>
       </p:nvGrpSpPr>
@@ -1614,7 +1614,7 @@
       </p:grpSpPr>
       <p:sp>
         <p:nvSpPr>
-          <p:cNvPr id="178" name="Google Shape;178;g3432244cd8c_0_129:notes"/>
+          <p:cNvPr id="184" name="Google Shape;184;g3432244cd8c_0_129:notes"/>
           <p:cNvSpPr/>
           <p:nvPr>
             <p:ph idx="2" type="sldImg"/>
@@ -1649,7 +1649,7 @@
       </p:sp>
       <p:sp>
         <p:nvSpPr>
-          <p:cNvPr id="179" name="Google Shape;179;g3432244cd8c_0_129:notes"/>
+          <p:cNvPr id="185" name="Google Shape;185;g3432244cd8c_0_129:notes"/>
           <p:cNvSpPr txBox="1"/>
           <p:nvPr>
             <p:ph idx="1" type="body"/>
@@ -9891,7 +9891,7 @@
   <p:cSld>
     <p:spTree>
       <p:nvGrpSpPr>
-        <p:cNvPr id="187" name="Shape 187"/>
+        <p:cNvPr id="193" name="Shape 193"/>
         <p:cNvGrpSpPr/>
         <p:nvPr/>
       </p:nvGrpSpPr>
@@ -9905,7 +9905,7 @@
       </p:grpSpPr>
       <p:sp>
         <p:nvSpPr>
-          <p:cNvPr id="188" name="Google Shape;188;p22"/>
+          <p:cNvPr id="194" name="Google Shape;194;p22"/>
           <p:cNvSpPr txBox="1"/>
           <p:nvPr>
             <p:ph type="title"/>
@@ -9945,7 +9945,7 @@
       </p:sp>
       <p:sp>
         <p:nvSpPr>
-          <p:cNvPr id="189" name="Google Shape;189;p22"/>
+          <p:cNvPr id="195" name="Google Shape;195;p22"/>
           <p:cNvSpPr txBox="1"/>
           <p:nvPr>
             <p:ph idx="1" type="body"/>
@@ -10029,7 +10029,7 @@
             </a:pPr>
             <a:r>
               <a:rPr lang="en"/>
-              <a:t>Presentation - Raihan </a:t>
+              <a:t>Presentation - Raihan Malik </a:t>
             </a:r>
             <a:endParaRPr/>
           </a:p>
@@ -10186,7 +10186,11 @@
             </a:pPr>
             <a:r>
               <a:rPr lang="en" sz="1600"/>
-              <a:t>Boltzman &amp; Saha equations + application</a:t>
+              <a:t>Boltzmann</a:t>
+            </a:r>
+            <a:r>
+              <a:rPr lang="en" sz="1600"/>
+              <a:t> &amp; Saha equations + application</a:t>
             </a:r>
             <a:endParaRPr sz="1600"/>
           </a:p>
@@ -10203,7 +10207,7 @@
             </a:pPr>
             <a:r>
               <a:rPr lang="en" sz="1600"/>
-              <a:t>Report results in ways that physicists / astronomers do/</a:t>
+              <a:t>Report results in ways that physicists / astronomers do</a:t>
             </a:r>
             <a:endParaRPr sz="1600"/>
           </a:p>
@@ -10250,8 +10254,8 @@
         </p:blipFill>
         <p:spPr>
           <a:xfrm>
-            <a:off x="1301550" y="250175"/>
-            <a:ext cx="7613850" cy="4706400"/>
+            <a:off x="231975" y="836275"/>
+            <a:ext cx="6583924" cy="4069774"/>
           </a:xfrm>
           <a:prstGeom prst="rect">
             <a:avLst/>
@@ -10272,7 +10276,7 @@
         </p:nvSpPr>
         <p:spPr>
           <a:xfrm>
-            <a:off x="231975" y="3523050"/>
+            <a:off x="231975" y="170525"/>
             <a:ext cx="3709200" cy="1383000"/>
           </a:xfrm>
           <a:prstGeom prst="rect">
@@ -10299,6 +10303,191 @@
               <a:t>Spectroscopic Data</a:t>
             </a:r>
             <a:endParaRPr/>
+          </a:p>
+        </p:txBody>
+      </p:sp>
+      <p:sp>
+        <p:nvSpPr>
+          <p:cNvPr id="142" name="Google Shape;142;p15"/>
+          <p:cNvSpPr txBox="1"/>
+          <p:nvPr/>
+        </p:nvSpPr>
+        <p:spPr>
+          <a:xfrm>
+            <a:off x="6949275" y="836275"/>
+            <a:ext cx="1813200" cy="3789300"/>
+          </a:xfrm>
+          <a:prstGeom prst="rect">
+            <a:avLst/>
+          </a:prstGeom>
+          <a:noFill/>
+          <a:ln>
+            <a:noFill/>
+          </a:ln>
+        </p:spPr>
+        <p:txBody>
+          <a:bodyPr anchorCtr="0" anchor="t" bIns="91425" lIns="91425" spcFirstLastPara="1" rIns="91425" wrap="square" tIns="91425">
+            <a:noAutofit/>
+          </a:bodyPr>
+          <a:lstStyle/>
+          <a:p>
+            <a:pPr indent="0" lvl="0" marL="0" rtl="0" algn="l">
+              <a:spcBef>
+                <a:spcPts val="0"/>
+              </a:spcBef>
+              <a:spcAft>
+                <a:spcPts val="0"/>
+              </a:spcAft>
+              <a:buNone/>
+            </a:pPr>
+            <a:r>
+              <a:rPr lang="en" sz="1600">
+                <a:solidFill>
+                  <a:schemeClr val="dk2"/>
+                </a:solidFill>
+                <a:latin typeface="Calibri"/>
+                <a:ea typeface="Calibri"/>
+                <a:cs typeface="Calibri"/>
+                <a:sym typeface="Calibri"/>
+              </a:rPr>
+              <a:t>Utilized</a:t>
+            </a:r>
+            <a:r>
+              <a:rPr lang="en" sz="1600">
+                <a:solidFill>
+                  <a:schemeClr val="dk2"/>
+                </a:solidFill>
+                <a:latin typeface="Calibri"/>
+                <a:ea typeface="Calibri"/>
+                <a:cs typeface="Calibri"/>
+                <a:sym typeface="Calibri"/>
+              </a:rPr>
+              <a:t> to find the </a:t>
+            </a:r>
+            <a:r>
+              <a:rPr b="1" lang="en" sz="1600">
+                <a:solidFill>
+                  <a:schemeClr val="dk2"/>
+                </a:solidFill>
+                <a:latin typeface="Calibri"/>
+                <a:ea typeface="Calibri"/>
+                <a:cs typeface="Calibri"/>
+                <a:sym typeface="Calibri"/>
+              </a:rPr>
+              <a:t>equivalent width</a:t>
+            </a:r>
+            <a:endParaRPr b="1" sz="1600">
+              <a:solidFill>
+                <a:schemeClr val="dk2"/>
+              </a:solidFill>
+              <a:latin typeface="Calibri"/>
+              <a:ea typeface="Calibri"/>
+              <a:cs typeface="Calibri"/>
+              <a:sym typeface="Calibri"/>
+            </a:endParaRPr>
+          </a:p>
+          <a:p>
+            <a:pPr indent="0" lvl="0" marL="0" rtl="0" algn="l">
+              <a:spcBef>
+                <a:spcPts val="0"/>
+              </a:spcBef>
+              <a:spcAft>
+                <a:spcPts val="0"/>
+              </a:spcAft>
+              <a:buNone/>
+            </a:pPr>
+            <a:r>
+              <a:t/>
+            </a:r>
+            <a:endParaRPr sz="1600">
+              <a:solidFill>
+                <a:schemeClr val="dk2"/>
+              </a:solidFill>
+              <a:latin typeface="Calibri"/>
+              <a:ea typeface="Calibri"/>
+              <a:cs typeface="Calibri"/>
+              <a:sym typeface="Calibri"/>
+            </a:endParaRPr>
+          </a:p>
+          <a:p>
+            <a:pPr indent="0" lvl="0" marL="0" rtl="0" algn="l">
+              <a:spcBef>
+                <a:spcPts val="0"/>
+              </a:spcBef>
+              <a:spcAft>
+                <a:spcPts val="0"/>
+              </a:spcAft>
+              <a:buNone/>
+            </a:pPr>
+            <a:r>
+              <a:rPr lang="en" sz="1600">
+                <a:solidFill>
+                  <a:schemeClr val="dk2"/>
+                </a:solidFill>
+                <a:latin typeface="Calibri"/>
+                <a:ea typeface="Calibri"/>
+                <a:cs typeface="Calibri"/>
+                <a:sym typeface="Calibri"/>
+              </a:rPr>
+              <a:t>=&gt; The width of a rectangle such that its area is equal to the </a:t>
+            </a:r>
+            <a:r>
+              <a:rPr lang="en" sz="1600">
+                <a:solidFill>
+                  <a:schemeClr val="dk2"/>
+                </a:solidFill>
+                <a:latin typeface="Calibri"/>
+                <a:ea typeface="Calibri"/>
+                <a:cs typeface="Calibri"/>
+                <a:sym typeface="Calibri"/>
+              </a:rPr>
+              <a:t>area</a:t>
+            </a:r>
+            <a:r>
+              <a:rPr lang="en" sz="1600">
+                <a:solidFill>
+                  <a:schemeClr val="dk2"/>
+                </a:solidFill>
+                <a:latin typeface="Calibri"/>
+                <a:ea typeface="Calibri"/>
+                <a:cs typeface="Calibri"/>
+                <a:sym typeface="Calibri"/>
+              </a:rPr>
+              <a:t> within the </a:t>
+            </a:r>
+            <a:r>
+              <a:rPr lang="en" sz="1600">
+                <a:solidFill>
+                  <a:schemeClr val="dk2"/>
+                </a:solidFill>
+                <a:latin typeface="Calibri"/>
+                <a:ea typeface="Calibri"/>
+                <a:cs typeface="Calibri"/>
+                <a:sym typeface="Calibri"/>
+              </a:rPr>
+              <a:t>spectral</a:t>
+            </a:r>
+            <a:r>
+              <a:rPr lang="en" sz="1600">
+                <a:solidFill>
+                  <a:schemeClr val="dk2"/>
+                </a:solidFill>
+                <a:latin typeface="Calibri"/>
+                <a:ea typeface="Calibri"/>
+                <a:cs typeface="Calibri"/>
+                <a:sym typeface="Calibri"/>
+              </a:rPr>
+              <a:t> line</a:t>
+            </a:r>
+            <a:endParaRPr sz="1600">
+              <a:solidFill>
+                <a:schemeClr val="dk2"/>
+              </a:solidFill>
+              <a:latin typeface="Calibri"/>
+              <a:ea typeface="Calibri"/>
+              <a:cs typeface="Calibri"/>
+              <a:sym typeface="Calibri"/>
+            </a:endParaRPr>
           </a:p>
         </p:txBody>
       </p:sp>
@@ -10315,7 +10504,7 @@
   <p:cSld>
     <p:spTree>
       <p:nvGrpSpPr>
-        <p:cNvPr id="145" name="Shape 145"/>
+        <p:cNvPr id="146" name="Shape 146"/>
         <p:cNvGrpSpPr/>
         <p:nvPr/>
       </p:nvGrpSpPr>
@@ -10329,7 +10518,7 @@
       </p:grpSpPr>
       <p:pic>
         <p:nvPicPr>
-          <p:cNvPr id="146" name="Google Shape;146;p16"/>
+          <p:cNvPr id="147" name="Google Shape;147;p16"/>
           <p:cNvPicPr preferRelativeResize="0"/>
           <p:nvPr/>
         </p:nvPicPr>
@@ -10357,7 +10546,7 @@
       </p:pic>
       <p:sp>
         <p:nvSpPr>
-          <p:cNvPr id="147" name="Google Shape;147;p16"/>
+          <p:cNvPr id="148" name="Google Shape;148;p16"/>
           <p:cNvSpPr txBox="1"/>
           <p:nvPr>
             <p:ph type="title"/>
@@ -10365,7 +10554,7 @@
         </p:nvSpPr>
         <p:spPr>
           <a:xfrm>
-            <a:off x="185025" y="2947625"/>
+            <a:off x="207225" y="251600"/>
             <a:ext cx="7505700" cy="954600"/>
           </a:xfrm>
           <a:prstGeom prst="rect">
@@ -10392,6 +10581,166 @@
               <a:t>Curve of Growth</a:t>
             </a:r>
             <a:endParaRPr/>
+          </a:p>
+        </p:txBody>
+      </p:sp>
+      <p:sp>
+        <p:nvSpPr>
+          <p:cNvPr id="149" name="Google Shape;149;p16"/>
+          <p:cNvSpPr txBox="1"/>
+          <p:nvPr/>
+        </p:nvSpPr>
+        <p:spPr>
+          <a:xfrm>
+            <a:off x="362625" y="1043500"/>
+            <a:ext cx="2745600" cy="3330300"/>
+          </a:xfrm>
+          <a:prstGeom prst="rect">
+            <a:avLst/>
+          </a:prstGeom>
+          <a:noFill/>
+          <a:ln>
+            <a:noFill/>
+          </a:ln>
+        </p:spPr>
+        <p:txBody>
+          <a:bodyPr anchorCtr="0" anchor="t" bIns="91425" lIns="91425" spcFirstLastPara="1" rIns="91425" wrap="square" tIns="91425">
+            <a:noAutofit/>
+          </a:bodyPr>
+          <a:lstStyle/>
+          <a:p>
+            <a:pPr indent="-330200" lvl="0" marL="457200" rtl="0" algn="l">
+              <a:spcBef>
+                <a:spcPts val="0"/>
+              </a:spcBef>
+              <a:spcAft>
+                <a:spcPts val="0"/>
+              </a:spcAft>
+              <a:buClr>
+                <a:schemeClr val="dk2"/>
+              </a:buClr>
+              <a:buSzPts val="1600"/>
+              <a:buFont typeface="Calibri"/>
+              <a:buAutoNum type="arabicPeriod"/>
+            </a:pPr>
+            <a:r>
+              <a:rPr lang="en" sz="1600">
+                <a:solidFill>
+                  <a:schemeClr val="dk2"/>
+                </a:solidFill>
+                <a:latin typeface="Calibri"/>
+                <a:ea typeface="Calibri"/>
+                <a:cs typeface="Calibri"/>
+                <a:sym typeface="Calibri"/>
+              </a:rPr>
+              <a:t>Find corresponding x-value </a:t>
+            </a:r>
+            <a:endParaRPr sz="1600">
+              <a:solidFill>
+                <a:schemeClr val="dk2"/>
+              </a:solidFill>
+              <a:latin typeface="Calibri"/>
+              <a:ea typeface="Calibri"/>
+              <a:cs typeface="Calibri"/>
+              <a:sym typeface="Calibri"/>
+            </a:endParaRPr>
+          </a:p>
+          <a:p>
+            <a:pPr indent="-330200" lvl="1" marL="914400" rtl="0" algn="l">
+              <a:spcBef>
+                <a:spcPts val="0"/>
+              </a:spcBef>
+              <a:spcAft>
+                <a:spcPts val="0"/>
+              </a:spcAft>
+              <a:buClr>
+                <a:schemeClr val="dk2"/>
+              </a:buClr>
+              <a:buSzPts val="1600"/>
+              <a:buFont typeface="Calibri"/>
+              <a:buAutoNum type="alphaLcPeriod"/>
+            </a:pPr>
+            <a:r>
+              <a:rPr lang="en" sz="1600">
+                <a:solidFill>
+                  <a:schemeClr val="dk2"/>
+                </a:solidFill>
+                <a:latin typeface="Calibri"/>
+                <a:ea typeface="Calibri"/>
+                <a:cs typeface="Calibri"/>
+                <a:sym typeface="Calibri"/>
+              </a:rPr>
+              <a:t>Using equivalent width and absorption wavelength</a:t>
+            </a:r>
+            <a:endParaRPr sz="1600">
+              <a:solidFill>
+                <a:schemeClr val="dk2"/>
+              </a:solidFill>
+              <a:latin typeface="Calibri"/>
+              <a:ea typeface="Calibri"/>
+              <a:cs typeface="Calibri"/>
+              <a:sym typeface="Calibri"/>
+            </a:endParaRPr>
+          </a:p>
+          <a:p>
+            <a:pPr indent="-330200" lvl="0" marL="457200" rtl="0" algn="l">
+              <a:spcBef>
+                <a:spcPts val="0"/>
+              </a:spcBef>
+              <a:spcAft>
+                <a:spcPts val="0"/>
+              </a:spcAft>
+              <a:buClr>
+                <a:schemeClr val="dk2"/>
+              </a:buClr>
+              <a:buSzPts val="1600"/>
+              <a:buFont typeface="Calibri"/>
+              <a:buAutoNum type="arabicPeriod"/>
+            </a:pPr>
+            <a:r>
+              <a:rPr lang="en" sz="1600">
+                <a:solidFill>
+                  <a:schemeClr val="dk2"/>
+                </a:solidFill>
+                <a:latin typeface="Calibri"/>
+                <a:ea typeface="Calibri"/>
+                <a:cs typeface="Calibri"/>
+                <a:sym typeface="Calibri"/>
+              </a:rPr>
+              <a:t>Find N, the number density of Sodium</a:t>
+            </a:r>
+            <a:endParaRPr sz="1600">
+              <a:solidFill>
+                <a:schemeClr val="dk2"/>
+              </a:solidFill>
+              <a:latin typeface="Calibri"/>
+              <a:ea typeface="Calibri"/>
+              <a:cs typeface="Calibri"/>
+              <a:sym typeface="Calibri"/>
+            </a:endParaRPr>
+          </a:p>
+          <a:p>
+            <a:pPr indent="0" lvl="0" marL="0" rtl="0" algn="l">
+              <a:spcBef>
+                <a:spcPts val="0"/>
+              </a:spcBef>
+              <a:spcAft>
+                <a:spcPts val="0"/>
+              </a:spcAft>
+              <a:buNone/>
+            </a:pPr>
+            <a:r>
+              <a:t/>
+            </a:r>
+            <a:endParaRPr sz="1300">
+              <a:solidFill>
+                <a:schemeClr val="dk2"/>
+              </a:solidFill>
+              <a:latin typeface="Calibri"/>
+              <a:ea typeface="Calibri"/>
+              <a:cs typeface="Calibri"/>
+              <a:sym typeface="Calibri"/>
+            </a:endParaRPr>
           </a:p>
         </p:txBody>
       </p:sp>
@@ -10408,7 +10757,7 @@
   <p:cSld>
     <p:spTree>
       <p:nvGrpSpPr>
-        <p:cNvPr id="151" name="Shape 151"/>
+        <p:cNvPr id="153" name="Shape 153"/>
         <p:cNvGrpSpPr/>
         <p:nvPr/>
       </p:nvGrpSpPr>
@@ -10422,7 +10771,502 @@
       </p:grpSpPr>
       <p:sp>
         <p:nvSpPr>
-          <p:cNvPr id="152" name="Google Shape;152;p17"/>
+          <p:cNvPr id="154" name="Google Shape;154;p17"/>
+          <p:cNvSpPr txBox="1"/>
+          <p:nvPr>
+            <p:ph type="title"/>
+          </p:nvPr>
+        </p:nvSpPr>
+        <p:spPr>
+          <a:xfrm>
+            <a:off x="331150" y="216550"/>
+            <a:ext cx="7505700" cy="954600"/>
+          </a:xfrm>
+          <a:prstGeom prst="rect">
+            <a:avLst/>
+          </a:prstGeom>
+        </p:spPr>
+        <p:txBody>
+          <a:bodyPr anchorCtr="0" anchor="t" bIns="91425" lIns="91425" spcFirstLastPara="1" rIns="91425" wrap="square" tIns="91425">
+            <a:normAutofit/>
+          </a:bodyPr>
+          <a:lstStyle/>
+          <a:p>
+            <a:pPr indent="0" lvl="0" marL="0" rtl="0" algn="l">
+              <a:spcBef>
+                <a:spcPts val="0"/>
+              </a:spcBef>
+              <a:spcAft>
+                <a:spcPts val="0"/>
+              </a:spcAft>
+              <a:buNone/>
+            </a:pPr>
+            <a:r>
+              <a:rPr lang="en"/>
+              <a:t>Boltzmann </a:t>
+            </a:r>
+            <a:endParaRPr/>
+          </a:p>
+        </p:txBody>
+      </p:sp>
+      <p:sp>
+        <p:nvSpPr>
+          <p:cNvPr id="155" name="Google Shape;155;p17"/>
+          <p:cNvSpPr txBox="1"/>
+          <p:nvPr>
+            <p:ph type="title"/>
+          </p:nvPr>
+        </p:nvSpPr>
+        <p:spPr>
+          <a:xfrm>
+            <a:off x="331150" y="1933525"/>
+            <a:ext cx="1008300" cy="954600"/>
+          </a:xfrm>
+          <a:prstGeom prst="rect">
+            <a:avLst/>
+          </a:prstGeom>
+        </p:spPr>
+        <p:txBody>
+          <a:bodyPr anchorCtr="0" anchor="t" bIns="91425" lIns="91425" spcFirstLastPara="1" rIns="91425" wrap="square" tIns="91425">
+            <a:normAutofit fontScale="90000"/>
+          </a:bodyPr>
+          <a:lstStyle/>
+          <a:p>
+            <a:pPr indent="0" lvl="0" marL="0" rtl="0" algn="l">
+              <a:spcBef>
+                <a:spcPts val="0"/>
+              </a:spcBef>
+              <a:spcAft>
+                <a:spcPts val="0"/>
+              </a:spcAft>
+              <a:buNone/>
+            </a:pPr>
+            <a:r>
+              <a:rPr lang="en"/>
+              <a:t>Saha</a:t>
+            </a:r>
+            <a:endParaRPr/>
+          </a:p>
+        </p:txBody>
+      </p:sp>
+      <p:pic>
+        <p:nvPicPr>
+          <p:cNvPr id="156" name="Google Shape;156;p17"/>
+          <p:cNvPicPr preferRelativeResize="0"/>
+          <p:nvPr/>
+        </p:nvPicPr>
+        <p:blipFill>
+          <a:blip r:embed="rId3">
+            <a:alphaModFix/>
+          </a:blip>
+          <a:stretch>
+            <a:fillRect/>
+          </a:stretch>
+        </p:blipFill>
+        <p:spPr>
+          <a:xfrm>
+            <a:off x="331152" y="753613"/>
+            <a:ext cx="3058833" cy="1138571"/>
+          </a:xfrm>
+          <a:prstGeom prst="rect">
+            <a:avLst/>
+          </a:prstGeom>
+          <a:noFill/>
+          <a:ln>
+            <a:noFill/>
+          </a:ln>
+        </p:spPr>
+      </p:pic>
+      <p:pic>
+        <p:nvPicPr>
+          <p:cNvPr id="157" name="Google Shape;157;p17"/>
+          <p:cNvPicPr preferRelativeResize="0"/>
+          <p:nvPr/>
+        </p:nvPicPr>
+        <p:blipFill>
+          <a:blip r:embed="rId4">
+            <a:alphaModFix/>
+          </a:blip>
+          <a:stretch>
+            <a:fillRect/>
+          </a:stretch>
+        </p:blipFill>
+        <p:spPr>
+          <a:xfrm>
+            <a:off x="331159" y="2427329"/>
+            <a:ext cx="5511868" cy="1138571"/>
+          </a:xfrm>
+          <a:prstGeom prst="rect">
+            <a:avLst/>
+          </a:prstGeom>
+          <a:noFill/>
+          <a:ln>
+            <a:noFill/>
+          </a:ln>
+        </p:spPr>
+      </p:pic>
+      <p:pic>
+        <p:nvPicPr>
+          <p:cNvPr id="158" name="Google Shape;158;p17"/>
+          <p:cNvPicPr preferRelativeResize="0"/>
+          <p:nvPr/>
+        </p:nvPicPr>
+        <p:blipFill>
+          <a:blip r:embed="rId5">
+            <a:alphaModFix/>
+          </a:blip>
+          <a:stretch>
+            <a:fillRect/>
+          </a:stretch>
+        </p:blipFill>
+        <p:spPr>
+          <a:xfrm>
+            <a:off x="331150" y="4170875"/>
+            <a:ext cx="3971925" cy="590550"/>
+          </a:xfrm>
+          <a:prstGeom prst="rect">
+            <a:avLst/>
+          </a:prstGeom>
+          <a:noFill/>
+          <a:ln>
+            <a:noFill/>
+          </a:ln>
+        </p:spPr>
+      </p:pic>
+      <p:sp>
+        <p:nvSpPr>
+          <p:cNvPr id="159" name="Google Shape;159;p17"/>
+          <p:cNvSpPr txBox="1"/>
+          <p:nvPr>
+            <p:ph type="title"/>
+          </p:nvPr>
+        </p:nvSpPr>
+        <p:spPr>
+          <a:xfrm>
+            <a:off x="331150" y="3650500"/>
+            <a:ext cx="4405200" cy="954600"/>
+          </a:xfrm>
+          <a:prstGeom prst="rect">
+            <a:avLst/>
+          </a:prstGeom>
+        </p:spPr>
+        <p:txBody>
+          <a:bodyPr anchorCtr="0" anchor="t" bIns="91425" lIns="91425" spcFirstLastPara="1" rIns="91425" wrap="square" tIns="91425">
+            <a:normAutofit/>
+          </a:bodyPr>
+          <a:lstStyle/>
+          <a:p>
+            <a:pPr indent="0" lvl="0" marL="0" rtl="0" algn="l">
+              <a:spcBef>
+                <a:spcPts val="0"/>
+              </a:spcBef>
+              <a:spcAft>
+                <a:spcPts val="0"/>
+              </a:spcAft>
+              <a:buNone/>
+            </a:pPr>
+            <a:r>
+              <a:rPr lang="en" sz="2900"/>
+              <a:t>Combined Ratios</a:t>
+            </a:r>
+            <a:endParaRPr sz="2700"/>
+          </a:p>
+        </p:txBody>
+      </p:sp>
+      <p:sp>
+        <p:nvSpPr>
+          <p:cNvPr id="160" name="Google Shape;160;p17"/>
+          <p:cNvSpPr txBox="1"/>
+          <p:nvPr/>
+        </p:nvSpPr>
+        <p:spPr>
+          <a:xfrm>
+            <a:off x="3559750" y="1114700"/>
+            <a:ext cx="4062900" cy="707700"/>
+          </a:xfrm>
+          <a:prstGeom prst="rect">
+            <a:avLst/>
+          </a:prstGeom>
+          <a:noFill/>
+          <a:ln>
+            <a:noFill/>
+          </a:ln>
+        </p:spPr>
+        <p:txBody>
+          <a:bodyPr anchorCtr="0" anchor="t" bIns="91425" lIns="91425" spcFirstLastPara="1" rIns="91425" wrap="square" tIns="91425">
+            <a:noAutofit/>
+          </a:bodyPr>
+          <a:lstStyle/>
+          <a:p>
+            <a:pPr indent="0" lvl="0" marL="0" rtl="0" algn="l">
+              <a:spcBef>
+                <a:spcPts val="0"/>
+              </a:spcBef>
+              <a:spcAft>
+                <a:spcPts val="0"/>
+              </a:spcAft>
+              <a:buNone/>
+            </a:pPr>
+            <a:r>
+              <a:rPr lang="en" sz="1600">
+                <a:solidFill>
+                  <a:schemeClr val="dk2"/>
+                </a:solidFill>
+                <a:latin typeface="Calibri"/>
+                <a:ea typeface="Calibri"/>
+                <a:cs typeface="Calibri"/>
+                <a:sym typeface="Calibri"/>
+              </a:rPr>
+              <a:t>Find ratio of grounded state vs excited state</a:t>
+            </a:r>
+            <a:endParaRPr sz="1600">
+              <a:solidFill>
+                <a:schemeClr val="dk2"/>
+              </a:solidFill>
+              <a:latin typeface="Calibri"/>
+              <a:ea typeface="Calibri"/>
+              <a:cs typeface="Calibri"/>
+              <a:sym typeface="Calibri"/>
+            </a:endParaRPr>
+          </a:p>
+        </p:txBody>
+      </p:sp>
+      <p:sp>
+        <p:nvSpPr>
+          <p:cNvPr id="161" name="Google Shape;161;p17"/>
+          <p:cNvSpPr txBox="1"/>
+          <p:nvPr/>
+        </p:nvSpPr>
+        <p:spPr>
+          <a:xfrm>
+            <a:off x="5972375" y="2765458"/>
+            <a:ext cx="2775300" cy="462300"/>
+          </a:xfrm>
+          <a:prstGeom prst="rect">
+            <a:avLst/>
+          </a:prstGeom>
+          <a:noFill/>
+          <a:ln>
+            <a:noFill/>
+          </a:ln>
+        </p:spPr>
+        <p:txBody>
+          <a:bodyPr anchorCtr="0" anchor="t" bIns="91425" lIns="91425" spcFirstLastPara="1" rIns="91425" wrap="square" tIns="91425">
+            <a:noAutofit/>
+          </a:bodyPr>
+          <a:lstStyle/>
+          <a:p>
+            <a:pPr indent="0" lvl="0" marL="0" rtl="0" algn="l">
+              <a:spcBef>
+                <a:spcPts val="0"/>
+              </a:spcBef>
+              <a:spcAft>
+                <a:spcPts val="0"/>
+              </a:spcAft>
+              <a:buNone/>
+            </a:pPr>
+            <a:r>
+              <a:rPr lang="en" sz="1600">
+                <a:solidFill>
+                  <a:schemeClr val="dk2"/>
+                </a:solidFill>
+                <a:latin typeface="Calibri"/>
+                <a:ea typeface="Calibri"/>
+                <a:cs typeface="Calibri"/>
+                <a:sym typeface="Calibri"/>
+              </a:rPr>
+              <a:t>Find ratio of neutral to ionized</a:t>
+            </a:r>
+            <a:endParaRPr sz="1600">
+              <a:solidFill>
+                <a:schemeClr val="dk2"/>
+              </a:solidFill>
+              <a:latin typeface="Calibri"/>
+              <a:ea typeface="Calibri"/>
+              <a:cs typeface="Calibri"/>
+              <a:sym typeface="Calibri"/>
+            </a:endParaRPr>
+          </a:p>
+        </p:txBody>
+      </p:sp>
+      <p:sp>
+        <p:nvSpPr>
+          <p:cNvPr id="162" name="Google Shape;162;p17"/>
+          <p:cNvSpPr txBox="1"/>
+          <p:nvPr/>
+        </p:nvSpPr>
+        <p:spPr>
+          <a:xfrm>
+            <a:off x="4430000" y="4235008"/>
+            <a:ext cx="2775300" cy="462300"/>
+          </a:xfrm>
+          <a:prstGeom prst="rect">
+            <a:avLst/>
+          </a:prstGeom>
+          <a:noFill/>
+          <a:ln>
+            <a:noFill/>
+          </a:ln>
+        </p:spPr>
+        <p:txBody>
+          <a:bodyPr anchorCtr="0" anchor="t" bIns="91425" lIns="91425" spcFirstLastPara="1" rIns="91425" wrap="square" tIns="91425">
+            <a:noAutofit/>
+          </a:bodyPr>
+          <a:lstStyle/>
+          <a:p>
+            <a:pPr indent="0" lvl="0" marL="0" rtl="0" algn="l">
+              <a:spcBef>
+                <a:spcPts val="0"/>
+              </a:spcBef>
+              <a:spcAft>
+                <a:spcPts val="0"/>
+              </a:spcAft>
+              <a:buNone/>
+            </a:pPr>
+            <a:r>
+              <a:rPr lang="en" sz="1600">
+                <a:solidFill>
+                  <a:schemeClr val="dk2"/>
+                </a:solidFill>
+                <a:latin typeface="Calibri"/>
+                <a:ea typeface="Calibri"/>
+                <a:cs typeface="Calibri"/>
+                <a:sym typeface="Calibri"/>
+              </a:rPr>
+              <a:t>Find total column density</a:t>
+            </a:r>
+            <a:endParaRPr sz="1600">
+              <a:solidFill>
+                <a:schemeClr val="dk2"/>
+              </a:solidFill>
+              <a:latin typeface="Calibri"/>
+              <a:ea typeface="Calibri"/>
+              <a:cs typeface="Calibri"/>
+              <a:sym typeface="Calibri"/>
+            </a:endParaRPr>
+          </a:p>
+        </p:txBody>
+      </p:sp>
+    </p:spTree>
+  </p:cSld>
+  <p:clrMapOvr>
+    <a:masterClrMapping/>
+  </p:clrMapOvr>
+</p:sld>
+</file>
+
+<file path=ppt/slides/slide6.xml><?xml version="1.0" encoding="utf-8"?>
+<p:sld xmlns:a="http://schemas.openxmlformats.org/drawingml/2006/main" xmlns:r="http://schemas.openxmlformats.org/officeDocument/2006/relationships" xmlns:mc="http://schemas.openxmlformats.org/markup-compatibility/2006" xmlns:mv="urn:schemas-microsoft-com:mac:vml" xmlns:p="http://schemas.openxmlformats.org/presentationml/2006/main" xmlns:c="http://schemas.openxmlformats.org/drawingml/2006/chart" xmlns:dgm="http://schemas.openxmlformats.org/drawingml/2006/diagram" xmlns:o="urn:schemas-microsoft-com:office:office" xmlns:v="urn:schemas-microsoft-com:vml" xmlns:pvml="urn:schemas-microsoft-com:office:powerpoint" xmlns:com="http://schemas.openxmlformats.org/drawingml/2006/compatibility" xmlns:p14="http://schemas.microsoft.com/office/powerpoint/2010/main" xmlns:p15="http://schemas.microsoft.com/office/powerpoint/2012/main" xmlns:ahyp="http://schemas.microsoft.com/office/drawing/2018/hyperlinkcolor">
+  <p:cSld>
+    <p:spTree>
+      <p:nvGrpSpPr>
+        <p:cNvPr id="166" name="Shape 166"/>
+        <p:cNvGrpSpPr/>
+        <p:nvPr/>
+      </p:nvGrpSpPr>
+      <p:grpSpPr>
+        <a:xfrm>
+          <a:off x="0" y="0"/>
+          <a:ext cx="0" cy="0"/>
+          <a:chOff x="0" y="0"/>
+          <a:chExt cx="0" cy="0"/>
+        </a:xfrm>
+      </p:grpSpPr>
+      <p:pic>
+        <p:nvPicPr>
+          <p:cNvPr id="167" name="Google Shape;167;p18"/>
+          <p:cNvPicPr preferRelativeResize="0"/>
+          <p:nvPr/>
+        </p:nvPicPr>
+        <p:blipFill rotWithShape="1">
+          <a:blip r:embed="rId3">
+            <a:alphaModFix/>
+          </a:blip>
+          <a:srcRect b="21042" l="0" r="0" t="0"/>
+          <a:stretch/>
+        </p:blipFill>
+        <p:spPr>
+          <a:xfrm>
+            <a:off x="0" y="1259525"/>
+            <a:ext cx="9144001" cy="2506000"/>
+          </a:xfrm>
+          <a:prstGeom prst="rect">
+            <a:avLst/>
+          </a:prstGeom>
+          <a:noFill/>
+          <a:ln>
+            <a:noFill/>
+          </a:ln>
+        </p:spPr>
+      </p:pic>
+      <p:sp>
+        <p:nvSpPr>
+          <p:cNvPr id="168" name="Google Shape;168;p18"/>
+          <p:cNvSpPr txBox="1"/>
+          <p:nvPr>
+            <p:ph idx="4294967295" type="title"/>
+          </p:nvPr>
+        </p:nvSpPr>
+        <p:spPr>
+          <a:xfrm>
+            <a:off x="819150" y="186950"/>
+            <a:ext cx="7505700" cy="954600"/>
+          </a:xfrm>
+          <a:prstGeom prst="rect">
+            <a:avLst/>
+          </a:prstGeom>
+        </p:spPr>
+        <p:txBody>
+          <a:bodyPr anchorCtr="0" anchor="t" bIns="91425" lIns="91425" spcFirstLastPara="1" rIns="91425" wrap="square" tIns="91425">
+            <a:normAutofit fontScale="90000"/>
+          </a:bodyPr>
+          <a:lstStyle/>
+          <a:p>
+            <a:pPr indent="0" lvl="0" marL="0" rtl="0" algn="ctr">
+              <a:spcBef>
+                <a:spcPts val="0"/>
+              </a:spcBef>
+              <a:spcAft>
+                <a:spcPts val="0"/>
+              </a:spcAft>
+              <a:buNone/>
+            </a:pPr>
+            <a:r>
+              <a:rPr b="1" lang="en" sz="2900"/>
+              <a:t>The three main ways to present abundance</a:t>
+            </a:r>
+            <a:endParaRPr b="1" sz="2900"/>
+          </a:p>
+        </p:txBody>
+      </p:sp>
+    </p:spTree>
+  </p:cSld>
+  <p:clrMapOvr>
+    <a:masterClrMapping/>
+  </p:clrMapOvr>
+</p:sld>
+</file>
+
+<file path=ppt/slides/slide7.xml><?xml version="1.0" encoding="utf-8"?>
+<p:sld xmlns:a="http://schemas.openxmlformats.org/drawingml/2006/main" xmlns:r="http://schemas.openxmlformats.org/officeDocument/2006/relationships" xmlns:mc="http://schemas.openxmlformats.org/markup-compatibility/2006" xmlns:mv="urn:schemas-microsoft-com:mac:vml" xmlns:p="http://schemas.openxmlformats.org/presentationml/2006/main" xmlns:c="http://schemas.openxmlformats.org/drawingml/2006/chart" xmlns:dgm="http://schemas.openxmlformats.org/drawingml/2006/diagram" xmlns:o="urn:schemas-microsoft-com:office:office" xmlns:v="urn:schemas-microsoft-com:vml" xmlns:pvml="urn:schemas-microsoft-com:office:powerpoint" xmlns:com="http://schemas.openxmlformats.org/drawingml/2006/compatibility" xmlns:p14="http://schemas.microsoft.com/office/powerpoint/2010/main" xmlns:p15="http://schemas.microsoft.com/office/powerpoint/2012/main" xmlns:ahyp="http://schemas.microsoft.com/office/drawing/2018/hyperlinkcolor">
+  <p:cSld>
+    <p:spTree>
+      <p:nvGrpSpPr>
+        <p:cNvPr id="172" name="Shape 172"/>
+        <p:cNvGrpSpPr/>
+        <p:nvPr/>
+      </p:nvGrpSpPr>
+      <p:grpSpPr>
+        <a:xfrm>
+          <a:off x="0" y="0"/>
+          <a:ext cx="0" cy="0"/>
+          <a:chOff x="0" y="0"/>
+          <a:chExt cx="0" cy="0"/>
+        </a:xfrm>
+      </p:grpSpPr>
+      <p:sp>
+        <p:nvSpPr>
+          <p:cNvPr id="173" name="Google Shape;173;p19"/>
           <p:cNvSpPr txBox="1"/>
           <p:nvPr>
             <p:ph type="title"/>
@@ -10454,394 +11298,6 @@
             </a:pPr>
             <a:r>
               <a:rPr lang="en"/>
-              <a:t>Boltzmann </a:t>
-            </a:r>
-            <a:endParaRPr/>
-          </a:p>
-        </p:txBody>
-      </p:sp>
-      <p:sp>
-        <p:nvSpPr>
-          <p:cNvPr id="153" name="Google Shape;153;p17"/>
-          <p:cNvSpPr txBox="1"/>
-          <p:nvPr>
-            <p:ph type="title"/>
-          </p:nvPr>
-        </p:nvSpPr>
-        <p:spPr>
-          <a:xfrm>
-            <a:off x="4572000" y="845600"/>
-            <a:ext cx="3753000" cy="954600"/>
-          </a:xfrm>
-          <a:prstGeom prst="rect">
-            <a:avLst/>
-          </a:prstGeom>
-        </p:spPr>
-        <p:txBody>
-          <a:bodyPr anchorCtr="0" anchor="t" bIns="91425" lIns="91425" spcFirstLastPara="1" rIns="91425" wrap="square" tIns="91425">
-            <a:normAutofit/>
-          </a:bodyPr>
-          <a:lstStyle/>
-          <a:p>
-            <a:pPr indent="0" lvl="0" marL="0" rtl="0" algn="r">
-              <a:spcBef>
-                <a:spcPts val="0"/>
-              </a:spcBef>
-              <a:spcAft>
-                <a:spcPts val="0"/>
-              </a:spcAft>
-              <a:buNone/>
-            </a:pPr>
-            <a:r>
-              <a:rPr lang="en"/>
-              <a:t>Saha</a:t>
-            </a:r>
-            <a:endParaRPr/>
-          </a:p>
-        </p:txBody>
-      </p:sp>
-      <p:pic>
-        <p:nvPicPr>
-          <p:cNvPr id="154" name="Google Shape;154;p17"/>
-          <p:cNvPicPr preferRelativeResize="0"/>
-          <p:nvPr/>
-        </p:nvPicPr>
-        <p:blipFill>
-          <a:blip r:embed="rId3">
-            <a:alphaModFix/>
-          </a:blip>
-          <a:stretch>
-            <a:fillRect/>
-          </a:stretch>
-        </p:blipFill>
-        <p:spPr>
-          <a:xfrm>
-            <a:off x="331152" y="1367425"/>
-            <a:ext cx="3058833" cy="1138571"/>
-          </a:xfrm>
-          <a:prstGeom prst="rect">
-            <a:avLst/>
-          </a:prstGeom>
-          <a:noFill/>
-          <a:ln>
-            <a:noFill/>
-          </a:ln>
-        </p:spPr>
-      </p:pic>
-      <p:pic>
-        <p:nvPicPr>
-          <p:cNvPr id="155" name="Google Shape;155;p17"/>
-          <p:cNvPicPr preferRelativeResize="0"/>
-          <p:nvPr/>
-        </p:nvPicPr>
-        <p:blipFill>
-          <a:blip r:embed="rId4">
-            <a:alphaModFix/>
-          </a:blip>
-          <a:stretch>
-            <a:fillRect/>
-          </a:stretch>
-        </p:blipFill>
-        <p:spPr>
-          <a:xfrm>
-            <a:off x="3389984" y="1367429"/>
-            <a:ext cx="5511868" cy="1138571"/>
-          </a:xfrm>
-          <a:prstGeom prst="rect">
-            <a:avLst/>
-          </a:prstGeom>
-          <a:noFill/>
-          <a:ln>
-            <a:noFill/>
-          </a:ln>
-        </p:spPr>
-      </p:pic>
-      <p:sp>
-        <p:nvSpPr>
-          <p:cNvPr id="156" name="Google Shape;156;p17"/>
-          <p:cNvSpPr txBox="1"/>
-          <p:nvPr/>
-        </p:nvSpPr>
-        <p:spPr>
-          <a:xfrm>
-            <a:off x="248975" y="2658650"/>
-            <a:ext cx="3058800" cy="504900"/>
-          </a:xfrm>
-          <a:prstGeom prst="rect">
-            <a:avLst/>
-          </a:prstGeom>
-          <a:noFill/>
-          <a:ln>
-            <a:noFill/>
-          </a:ln>
-        </p:spPr>
-        <p:txBody>
-          <a:bodyPr anchorCtr="0" anchor="t" bIns="91425" lIns="91425" spcFirstLastPara="1" rIns="91425" wrap="square" tIns="91425">
-            <a:noAutofit/>
-          </a:bodyPr>
-          <a:lstStyle/>
-          <a:p>
-            <a:pPr indent="-330200" lvl="0" marL="457200" rtl="0" algn="l">
-              <a:spcBef>
-                <a:spcPts val="0"/>
-              </a:spcBef>
-              <a:spcAft>
-                <a:spcPts val="0"/>
-              </a:spcAft>
-              <a:buClr>
-                <a:schemeClr val="dk2"/>
-              </a:buClr>
-              <a:buSzPts val="1600"/>
-              <a:buFont typeface="Calibri"/>
-              <a:buChar char="●"/>
-            </a:pPr>
-            <a:r>
-              <a:rPr lang="en" sz="1600">
-                <a:solidFill>
-                  <a:schemeClr val="dk2"/>
-                </a:solidFill>
-                <a:latin typeface="Calibri"/>
-                <a:ea typeface="Calibri"/>
-                <a:cs typeface="Calibri"/>
-                <a:sym typeface="Calibri"/>
-              </a:rPr>
-              <a:t>N</a:t>
-            </a:r>
-            <a:r>
-              <a:rPr baseline="-25000" lang="en" sz="1600">
-                <a:solidFill>
-                  <a:schemeClr val="dk2"/>
-                </a:solidFill>
-                <a:latin typeface="Calibri"/>
-                <a:ea typeface="Calibri"/>
-                <a:cs typeface="Calibri"/>
-                <a:sym typeface="Calibri"/>
-              </a:rPr>
-              <a:t>2</a:t>
-            </a:r>
-            <a:r>
-              <a:rPr lang="en" sz="1600">
-                <a:solidFill>
-                  <a:schemeClr val="dk2"/>
-                </a:solidFill>
-                <a:latin typeface="Calibri"/>
-                <a:ea typeface="Calibri"/>
-                <a:cs typeface="Calibri"/>
-                <a:sym typeface="Calibri"/>
-              </a:rPr>
-              <a:t> = N</a:t>
-            </a:r>
-            <a:r>
-              <a:rPr baseline="-25000" lang="en" sz="1600">
-                <a:solidFill>
-                  <a:schemeClr val="dk2"/>
-                </a:solidFill>
-                <a:latin typeface="Calibri"/>
-                <a:ea typeface="Calibri"/>
-                <a:cs typeface="Calibri"/>
-                <a:sym typeface="Calibri"/>
-              </a:rPr>
-              <a:t>3p</a:t>
-            </a:r>
-            <a:r>
-              <a:rPr lang="en" sz="1600">
-                <a:solidFill>
-                  <a:schemeClr val="dk2"/>
-                </a:solidFill>
-                <a:latin typeface="Calibri"/>
-                <a:ea typeface="Calibri"/>
-                <a:cs typeface="Calibri"/>
-                <a:sym typeface="Calibri"/>
-              </a:rPr>
-              <a:t>, N</a:t>
-            </a:r>
-            <a:r>
-              <a:rPr baseline="-25000" lang="en" sz="1600">
-                <a:solidFill>
-                  <a:schemeClr val="dk2"/>
-                </a:solidFill>
-                <a:latin typeface="Calibri"/>
-                <a:ea typeface="Calibri"/>
-                <a:cs typeface="Calibri"/>
-                <a:sym typeface="Calibri"/>
-              </a:rPr>
-              <a:t>1</a:t>
-            </a:r>
-            <a:r>
-              <a:rPr lang="en" sz="1600">
-                <a:solidFill>
-                  <a:schemeClr val="dk2"/>
-                </a:solidFill>
-                <a:latin typeface="Calibri"/>
-                <a:ea typeface="Calibri"/>
-                <a:cs typeface="Calibri"/>
-                <a:sym typeface="Calibri"/>
-              </a:rPr>
-              <a:t> = N</a:t>
-            </a:r>
-            <a:r>
-              <a:rPr baseline="-25000" lang="en" sz="1600">
-                <a:solidFill>
-                  <a:schemeClr val="dk2"/>
-                </a:solidFill>
-                <a:latin typeface="Calibri"/>
-                <a:ea typeface="Calibri"/>
-                <a:cs typeface="Calibri"/>
-                <a:sym typeface="Calibri"/>
-              </a:rPr>
-              <a:t>3s</a:t>
-            </a:r>
-            <a:endParaRPr sz="1600">
-              <a:solidFill>
-                <a:schemeClr val="dk2"/>
-              </a:solidFill>
-              <a:latin typeface="Calibri"/>
-              <a:ea typeface="Calibri"/>
-              <a:cs typeface="Calibri"/>
-              <a:sym typeface="Calibri"/>
-            </a:endParaRPr>
-          </a:p>
-        </p:txBody>
-      </p:sp>
-      <p:pic>
-        <p:nvPicPr>
-          <p:cNvPr id="157" name="Google Shape;157;p17"/>
-          <p:cNvPicPr preferRelativeResize="0"/>
-          <p:nvPr/>
-        </p:nvPicPr>
-        <p:blipFill>
-          <a:blip r:embed="rId5">
-            <a:alphaModFix/>
-          </a:blip>
-          <a:stretch>
-            <a:fillRect/>
-          </a:stretch>
-        </p:blipFill>
-        <p:spPr>
-          <a:xfrm>
-            <a:off x="331150" y="3386425"/>
-            <a:ext cx="3971925" cy="590550"/>
-          </a:xfrm>
-          <a:prstGeom prst="rect">
-            <a:avLst/>
-          </a:prstGeom>
-          <a:noFill/>
-          <a:ln>
-            <a:noFill/>
-          </a:ln>
-        </p:spPr>
-      </p:pic>
-    </p:spTree>
-  </p:cSld>
-  <p:clrMapOvr>
-    <a:masterClrMapping/>
-  </p:clrMapOvr>
-</p:sld>
-</file>
-
-<file path=ppt/slides/slide6.xml><?xml version="1.0" encoding="utf-8"?>
-<p:sld xmlns:a="http://schemas.openxmlformats.org/drawingml/2006/main" xmlns:r="http://schemas.openxmlformats.org/officeDocument/2006/relationships" xmlns:mc="http://schemas.openxmlformats.org/markup-compatibility/2006" xmlns:mv="urn:schemas-microsoft-com:mac:vml" xmlns:p="http://schemas.openxmlformats.org/presentationml/2006/main" xmlns:c="http://schemas.openxmlformats.org/drawingml/2006/chart" xmlns:dgm="http://schemas.openxmlformats.org/drawingml/2006/diagram" xmlns:o="urn:schemas-microsoft-com:office:office" xmlns:v="urn:schemas-microsoft-com:vml" xmlns:pvml="urn:schemas-microsoft-com:office:powerpoint" xmlns:com="http://schemas.openxmlformats.org/drawingml/2006/compatibility" xmlns:p14="http://schemas.microsoft.com/office/powerpoint/2010/main" xmlns:p15="http://schemas.microsoft.com/office/powerpoint/2012/main" xmlns:ahyp="http://schemas.microsoft.com/office/drawing/2018/hyperlinkcolor">
-  <p:cSld>
-    <p:spTree>
-      <p:nvGrpSpPr>
-        <p:cNvPr id="161" name="Shape 161"/>
-        <p:cNvGrpSpPr/>
-        <p:nvPr/>
-      </p:nvGrpSpPr>
-      <p:grpSpPr>
-        <a:xfrm>
-          <a:off x="0" y="0"/>
-          <a:ext cx="0" cy="0"/>
-          <a:chOff x="0" y="0"/>
-          <a:chExt cx="0" cy="0"/>
-        </a:xfrm>
-      </p:grpSpPr>
-      <p:pic>
-        <p:nvPicPr>
-          <p:cNvPr id="162" name="Google Shape;162;p18"/>
-          <p:cNvPicPr preferRelativeResize="0"/>
-          <p:nvPr/>
-        </p:nvPicPr>
-        <p:blipFill rotWithShape="1">
-          <a:blip r:embed="rId3">
-            <a:alphaModFix/>
-          </a:blip>
-          <a:srcRect b="21042" l="0" r="0" t="0"/>
-          <a:stretch/>
-        </p:blipFill>
-        <p:spPr>
-          <a:xfrm>
-            <a:off x="0" y="0"/>
-            <a:ext cx="9144001" cy="2506000"/>
-          </a:xfrm>
-          <a:prstGeom prst="rect">
-            <a:avLst/>
-          </a:prstGeom>
-          <a:noFill/>
-          <a:ln>
-            <a:noFill/>
-          </a:ln>
-        </p:spPr>
-      </p:pic>
-    </p:spTree>
-  </p:cSld>
-  <p:clrMapOvr>
-    <a:masterClrMapping/>
-  </p:clrMapOvr>
-</p:sld>
-</file>
-
-<file path=ppt/slides/slide7.xml><?xml version="1.0" encoding="utf-8"?>
-<p:sld xmlns:a="http://schemas.openxmlformats.org/drawingml/2006/main" xmlns:r="http://schemas.openxmlformats.org/officeDocument/2006/relationships" xmlns:mc="http://schemas.openxmlformats.org/markup-compatibility/2006" xmlns:mv="urn:schemas-microsoft-com:mac:vml" xmlns:p="http://schemas.openxmlformats.org/presentationml/2006/main" xmlns:c="http://schemas.openxmlformats.org/drawingml/2006/chart" xmlns:dgm="http://schemas.openxmlformats.org/drawingml/2006/diagram" xmlns:o="urn:schemas-microsoft-com:office:office" xmlns:v="urn:schemas-microsoft-com:vml" xmlns:pvml="urn:schemas-microsoft-com:office:powerpoint" xmlns:com="http://schemas.openxmlformats.org/drawingml/2006/compatibility" xmlns:p14="http://schemas.microsoft.com/office/powerpoint/2010/main" xmlns:p15="http://schemas.microsoft.com/office/powerpoint/2012/main" xmlns:ahyp="http://schemas.microsoft.com/office/drawing/2018/hyperlinkcolor">
-  <p:cSld>
-    <p:spTree>
-      <p:nvGrpSpPr>
-        <p:cNvPr id="166" name="Shape 166"/>
-        <p:cNvGrpSpPr/>
-        <p:nvPr/>
-      </p:nvGrpSpPr>
-      <p:grpSpPr>
-        <a:xfrm>
-          <a:off x="0" y="0"/>
-          <a:ext cx="0" cy="0"/>
-          <a:chOff x="0" y="0"/>
-          <a:chExt cx="0" cy="0"/>
-        </a:xfrm>
-      </p:grpSpPr>
-      <p:sp>
-        <p:nvSpPr>
-          <p:cNvPr id="167" name="Google Shape;167;p19"/>
-          <p:cNvSpPr txBox="1"/>
-          <p:nvPr>
-            <p:ph type="title"/>
-          </p:nvPr>
-        </p:nvSpPr>
-        <p:spPr>
-          <a:xfrm>
-            <a:off x="819150" y="845600"/>
-            <a:ext cx="7505700" cy="954600"/>
-          </a:xfrm>
-          <a:prstGeom prst="rect">
-            <a:avLst/>
-          </a:prstGeom>
-        </p:spPr>
-        <p:txBody>
-          <a:bodyPr anchorCtr="0" anchor="t" bIns="91425" lIns="91425" spcFirstLastPara="1" rIns="91425" wrap="square" tIns="91425">
-            <a:normAutofit/>
-          </a:bodyPr>
-          <a:lstStyle/>
-          <a:p>
-            <a:pPr indent="0" lvl="0" marL="0" rtl="0" algn="l">
-              <a:spcBef>
-                <a:spcPts val="0"/>
-              </a:spcBef>
-              <a:spcAft>
-                <a:spcPts val="0"/>
-              </a:spcAft>
-              <a:buNone/>
-            </a:pPr>
-            <a:r>
-              <a:rPr lang="en"/>
               <a:t>Results</a:t>
             </a:r>
             <a:endParaRPr/>
@@ -10850,7 +11306,7 @@
       </p:sp>
       <p:sp>
         <p:nvSpPr>
-          <p:cNvPr id="168" name="Google Shape;168;p19"/>
+          <p:cNvPr id="174" name="Google Shape;174;p19"/>
           <p:cNvSpPr txBox="1"/>
           <p:nvPr>
             <p:ph idx="1" type="body"/>
@@ -11097,7 +11553,7 @@
   <p:cSld>
     <p:spTree>
       <p:nvGrpSpPr>
-        <p:cNvPr id="172" name="Shape 172"/>
+        <p:cNvPr id="178" name="Shape 178"/>
         <p:cNvGrpSpPr/>
         <p:nvPr/>
       </p:nvGrpSpPr>
@@ -11111,7 +11567,7 @@
       </p:grpSpPr>
       <p:pic>
         <p:nvPicPr>
-          <p:cNvPr id="173" name="Google Shape;173;p20"/>
+          <p:cNvPr id="179" name="Google Shape;179;p20"/>
           <p:cNvPicPr preferRelativeResize="0"/>
           <p:nvPr/>
         </p:nvPicPr>
@@ -11138,7 +11594,7 @@
       </p:pic>
       <p:sp>
         <p:nvSpPr>
-          <p:cNvPr id="174" name="Google Shape;174;p20"/>
+          <p:cNvPr id="180" name="Google Shape;180;p20"/>
           <p:cNvSpPr txBox="1"/>
           <p:nvPr/>
         </p:nvSpPr>
@@ -11254,7 +11710,7 @@
       </p:sp>
       <p:sp>
         <p:nvSpPr>
-          <p:cNvPr id="175" name="Google Shape;175;p20"/>
+          <p:cNvPr id="181" name="Google Shape;181;p20"/>
           <p:cNvSpPr txBox="1"/>
           <p:nvPr/>
         </p:nvSpPr>
@@ -11358,7 +11814,7 @@
       </p:sp>
       <p:sp>
         <p:nvSpPr>
-          <p:cNvPr id="176" name="Google Shape;176;p20"/>
+          <p:cNvPr id="182" name="Google Shape;182;p20"/>
           <p:cNvSpPr txBox="1"/>
           <p:nvPr/>
         </p:nvSpPr>
@@ -11473,7 +11929,7 @@
   <p:cSld>
     <p:spTree>
       <p:nvGrpSpPr>
-        <p:cNvPr id="180" name="Shape 180"/>
+        <p:cNvPr id="186" name="Shape 186"/>
         <p:cNvGrpSpPr/>
         <p:nvPr/>
       </p:nvGrpSpPr>
@@ -11487,7 +11943,7 @@
       </p:grpSpPr>
       <p:sp>
         <p:nvSpPr>
-          <p:cNvPr id="181" name="Google Shape;181;p21"/>
+          <p:cNvPr id="187" name="Google Shape;187;p21"/>
           <p:cNvSpPr txBox="1"/>
           <p:nvPr>
             <p:ph type="title"/>
@@ -11527,7 +11983,7 @@
       </p:sp>
       <p:sp>
         <p:nvSpPr>
-          <p:cNvPr id="182" name="Google Shape;182;p21"/>
+          <p:cNvPr id="188" name="Google Shape;188;p21"/>
           <p:cNvSpPr txBox="1"/>
           <p:nvPr>
             <p:ph idx="1" type="body"/>
@@ -11636,7 +12092,7 @@
       </p:sp>
       <p:pic>
         <p:nvPicPr>
-          <p:cNvPr id="183" name="Google Shape;183;p21"/>
+          <p:cNvPr id="189" name="Google Shape;189;p21"/>
           <p:cNvPicPr preferRelativeResize="0"/>
           <p:nvPr/>
         </p:nvPicPr>
